--- a/102慈愛廣大.pptx
+++ b/102慈愛廣大.pptx
@@ -5,11 +5,11 @@
     <p:sldMasterId id="2147483660" r:id="rId1"/>
   </p:sldMasterIdLst>
   <p:sldIdLst>
-    <p:sldId id="257" r:id="rId2"/>
-    <p:sldId id="259" r:id="rId3"/>
-    <p:sldId id="260" r:id="rId4"/>
-    <p:sldId id="261" r:id="rId5"/>
-    <p:sldId id="262" r:id="rId6"/>
+    <p:sldId id="256" r:id="rId2"/>
+    <p:sldId id="257" r:id="rId3"/>
+    <p:sldId id="258" r:id="rId4"/>
+    <p:sldId id="259" r:id="rId5"/>
+    <p:sldId id="260" r:id="rId6"/>
   </p:sldIdLst>
   <p:sldSz cx="12192000" cy="6858000"/>
   <p:notesSz cx="6858000" cy="9144000"/>
@@ -108,6 +108,11 @@
       </a:defRPr>
     </a:lvl9pPr>
   </p:defaultTextStyle>
+  <p:extLst>
+    <p:ext uri="{EFAFB233-063F-42B5-8137-9DF3F51BA10A}">
+      <p15:sldGuideLst xmlns:p15="http://schemas.microsoft.com/office/powerpoint/2012/main"/>
+    </p:ext>
+  </p:extLst>
 </p:presentation>
 </file>
 
@@ -292,7 +297,7 @@
           <a:p>
             <a:fld id="{4972E357-A3D4-4C67-A05F-5FB371ABE2B6}" type="datetimeFigureOut">
               <a:rPr lang="vi-VN" smtClean="0"/>
-              <a:t>13/08/2020</a:t>
+              <a:t>05/03/2022</a:t>
             </a:fld>
             <a:endParaRPr lang="vi-VN"/>
           </a:p>
@@ -462,7 +467,7 @@
           <a:p>
             <a:fld id="{4972E357-A3D4-4C67-A05F-5FB371ABE2B6}" type="datetimeFigureOut">
               <a:rPr lang="vi-VN" smtClean="0"/>
-              <a:t>13/08/2020</a:t>
+              <a:t>05/03/2022</a:t>
             </a:fld>
             <a:endParaRPr lang="vi-VN"/>
           </a:p>
@@ -642,7 +647,7 @@
           <a:p>
             <a:fld id="{4972E357-A3D4-4C67-A05F-5FB371ABE2B6}" type="datetimeFigureOut">
               <a:rPr lang="vi-VN" smtClean="0"/>
-              <a:t>13/08/2020</a:t>
+              <a:t>05/03/2022</a:t>
             </a:fld>
             <a:endParaRPr lang="vi-VN"/>
           </a:p>
@@ -812,7 +817,7 @@
           <a:p>
             <a:fld id="{4972E357-A3D4-4C67-A05F-5FB371ABE2B6}" type="datetimeFigureOut">
               <a:rPr lang="vi-VN" smtClean="0"/>
-              <a:t>13/08/2020</a:t>
+              <a:t>05/03/2022</a:t>
             </a:fld>
             <a:endParaRPr lang="vi-VN"/>
           </a:p>
@@ -1058,7 +1063,7 @@
           <a:p>
             <a:fld id="{4972E357-A3D4-4C67-A05F-5FB371ABE2B6}" type="datetimeFigureOut">
               <a:rPr lang="vi-VN" smtClean="0"/>
-              <a:t>13/08/2020</a:t>
+              <a:t>05/03/2022</a:t>
             </a:fld>
             <a:endParaRPr lang="vi-VN"/>
           </a:p>
@@ -1346,7 +1351,7 @@
           <a:p>
             <a:fld id="{4972E357-A3D4-4C67-A05F-5FB371ABE2B6}" type="datetimeFigureOut">
               <a:rPr lang="vi-VN" smtClean="0"/>
-              <a:t>13/08/2020</a:t>
+              <a:t>05/03/2022</a:t>
             </a:fld>
             <a:endParaRPr lang="vi-VN"/>
           </a:p>
@@ -1768,7 +1773,7 @@
           <a:p>
             <a:fld id="{4972E357-A3D4-4C67-A05F-5FB371ABE2B6}" type="datetimeFigureOut">
               <a:rPr lang="vi-VN" smtClean="0"/>
-              <a:t>13/08/2020</a:t>
+              <a:t>05/03/2022</a:t>
             </a:fld>
             <a:endParaRPr lang="vi-VN"/>
           </a:p>
@@ -1886,7 +1891,7 @@
           <a:p>
             <a:fld id="{4972E357-A3D4-4C67-A05F-5FB371ABE2B6}" type="datetimeFigureOut">
               <a:rPr lang="vi-VN" smtClean="0"/>
-              <a:t>13/08/2020</a:t>
+              <a:t>05/03/2022</a:t>
             </a:fld>
             <a:endParaRPr lang="vi-VN"/>
           </a:p>
@@ -1981,7 +1986,7 @@
           <a:p>
             <a:fld id="{4972E357-A3D4-4C67-A05F-5FB371ABE2B6}" type="datetimeFigureOut">
               <a:rPr lang="vi-VN" smtClean="0"/>
-              <a:t>13/08/2020</a:t>
+              <a:t>05/03/2022</a:t>
             </a:fld>
             <a:endParaRPr lang="vi-VN"/>
           </a:p>
@@ -2258,7 +2263,7 @@
           <a:p>
             <a:fld id="{4972E357-A3D4-4C67-A05F-5FB371ABE2B6}" type="datetimeFigureOut">
               <a:rPr lang="vi-VN" smtClean="0"/>
-              <a:t>13/08/2020</a:t>
+              <a:t>05/03/2022</a:t>
             </a:fld>
             <a:endParaRPr lang="vi-VN"/>
           </a:p>
@@ -2515,7 +2520,7 @@
           <a:p>
             <a:fld id="{4972E357-A3D4-4C67-A05F-5FB371ABE2B6}" type="datetimeFigureOut">
               <a:rPr lang="vi-VN" smtClean="0"/>
-              <a:t>13/08/2020</a:t>
+              <a:t>05/03/2022</a:t>
             </a:fld>
             <a:endParaRPr lang="vi-VN"/>
           </a:p>
@@ -2733,7 +2738,7 @@
           <a:p>
             <a:fld id="{4972E357-A3D4-4C67-A05F-5FB371ABE2B6}" type="datetimeFigureOut">
               <a:rPr lang="vi-VN" smtClean="0"/>
-              <a:t>13/08/2020</a:t>
+              <a:t>05/03/2022</a:t>
             </a:fld>
             <a:endParaRPr lang="vi-VN"/>
           </a:p>
@@ -3140,24 +3145,7 @@
                 <a:latin typeface="微軟正黑體" pitchFamily="34" charset="-120"/>
                 <a:ea typeface="微軟正黑體" pitchFamily="34" charset="-120"/>
               </a:rPr>
-              <a:t>慈</a:t>
-            </a:r>
-            <a:r>
-              <a:rPr lang="zh-CN" altLang="en-US" sz="9600" b="1" dirty="0" smtClean="0">
-                <a:solidFill>
-                  <a:srgbClr val="660033"/>
-                </a:solidFill>
-                <a:effectLst>
-                  <a:outerShdw blurRad="38100" dist="38100" dir="2700000" algn="tl">
-                    <a:srgbClr val="000000">
-                      <a:alpha val="43137"/>
-                    </a:srgbClr>
-                  </a:outerShdw>
-                </a:effectLst>
-                <a:latin typeface="微軟正黑體" pitchFamily="34" charset="-120"/>
-                <a:ea typeface="微軟正黑體" pitchFamily="34" charset="-120"/>
-              </a:rPr>
-              <a:t>愛廣大</a:t>
+              <a:t>慈愛廣大</a:t>
             </a:r>
             <a:endParaRPr lang="en-US" sz="9600" b="1" dirty="0">
               <a:solidFill>
@@ -3216,27 +3204,7 @@
                 <a:latin typeface="微軟正黑體" pitchFamily="34" charset="-120"/>
                 <a:ea typeface="微軟正黑體" pitchFamily="34" charset="-120"/>
               </a:rPr>
-              <a:t>103 </a:t>
-            </a:r>
-            <a:r>
-              <a:rPr lang="en-US" altLang="zh-CN" b="1" dirty="0" smtClean="0">
-                <a:solidFill>
-                  <a:srgbClr val="000066"/>
-                </a:solidFill>
-                <a:latin typeface="微軟正黑體" pitchFamily="34" charset="-120"/>
-                <a:ea typeface="微軟正黑體" pitchFamily="34" charset="-120"/>
-              </a:rPr>
-              <a:t>: </a:t>
-            </a:r>
-            <a:r>
-              <a:rPr lang="en-US" altLang="zh-CN" b="1" dirty="0" smtClean="0">
-                <a:solidFill>
-                  <a:srgbClr val="000066"/>
-                </a:solidFill>
-                <a:latin typeface="微軟正黑體" pitchFamily="34" charset="-120"/>
-                <a:ea typeface="微軟正黑體" pitchFamily="34" charset="-120"/>
-              </a:rPr>
-              <a:t>8 – 18</a:t>
+              <a:t>103 : 8 – 18</a:t>
             </a:r>
             <a:endParaRPr lang="en-US" altLang="zh-CN" b="1" dirty="0">
               <a:solidFill>
@@ -3251,7 +3219,7 @@
     </p:spTree>
     <p:extLst>
       <p:ext uri="{BB962C8B-B14F-4D97-AF65-F5344CB8AC3E}">
-        <p14:creationId xmlns:p14="http://schemas.microsoft.com/office/powerpoint/2010/main" val="2319729781"/>
+        <p14:creationId xmlns:p14="http://schemas.microsoft.com/office/powerpoint/2010/main" val="759128536"/>
       </p:ext>
     </p:extLst>
   </p:cSld>
@@ -3297,7 +3265,7 @@
         </p:nvSpPr>
         <p:spPr>
           <a:xfrm>
-            <a:off x="1" y="0"/>
+            <a:off x="2" y="0"/>
             <a:ext cx="11823031" cy="6858000"/>
           </a:xfrm>
         </p:spPr>
@@ -3315,17 +3283,7 @@
                 <a:latin typeface="微軟正黑體" pitchFamily="34" charset="-120"/>
                 <a:ea typeface="微軟正黑體" pitchFamily="34" charset="-120"/>
               </a:rPr>
-              <a:t>耶</a:t>
-            </a:r>
-            <a:r>
-              <a:rPr lang="zh-TW" altLang="en-US" sz="6400" dirty="0">
-                <a:solidFill>
-                  <a:srgbClr val="000066"/>
-                </a:solidFill>
-                <a:latin typeface="微軟正黑體" pitchFamily="34" charset="-120"/>
-                <a:ea typeface="微軟正黑體" pitchFamily="34" charset="-120"/>
-              </a:rPr>
-              <a:t>和華有憐憫，有恩典，不輕易發怒，且有豐盛的慈愛。</a:t>
+              <a:t>耶和華有憐憫，有恩典，不輕易發怒，且有豐盛的慈愛。</a:t>
             </a:r>
             <a:r>
               <a:rPr lang="zh-TW" altLang="en-US" dirty="0"/>
@@ -3341,29 +3299,9 @@
                 <a:latin typeface="微軟正黑體" pitchFamily="34" charset="-120"/>
                 <a:ea typeface="微軟正黑體" pitchFamily="34" charset="-120"/>
               </a:rPr>
-              <a:t>他</a:t>
-            </a:r>
-            <a:r>
-              <a:rPr lang="zh-TW" altLang="en-US" sz="6400" b="1" dirty="0">
-                <a:solidFill>
-                  <a:srgbClr val="000066"/>
-                </a:solidFill>
-                <a:latin typeface="微軟正黑體" pitchFamily="34" charset="-120"/>
-                <a:ea typeface="微軟正黑體" pitchFamily="34" charset="-120"/>
-              </a:rPr>
-              <a:t>不長久責備，也不永遠懷怒</a:t>
-            </a:r>
-            <a:r>
-              <a:rPr lang="zh-TW" altLang="en-US" sz="6400" b="1" dirty="0" smtClean="0">
-                <a:solidFill>
-                  <a:srgbClr val="000066"/>
-                </a:solidFill>
-                <a:latin typeface="微軟正黑體" pitchFamily="34" charset="-120"/>
-                <a:ea typeface="微軟正黑體" pitchFamily="34" charset="-120"/>
-              </a:rPr>
-              <a:t>。</a:t>
-            </a:r>
-            <a:endParaRPr lang="en-US" altLang="zh-TW" sz="6400" b="1" dirty="0" smtClean="0">
+              <a:t>他不長久責備，也不永遠懷怒。</a:t>
+            </a:r>
+            <a:endParaRPr lang="en-US" altLang="zh-TW" sz="6400" b="1" dirty="0">
               <a:solidFill>
                 <a:srgbClr val="000066"/>
               </a:solidFill>
@@ -3395,7 +3333,7 @@
     </p:spTree>
     <p:extLst>
       <p:ext uri="{BB962C8B-B14F-4D97-AF65-F5344CB8AC3E}">
-        <p14:creationId xmlns:p14="http://schemas.microsoft.com/office/powerpoint/2010/main" val="4152580498"/>
+        <p14:creationId xmlns:p14="http://schemas.microsoft.com/office/powerpoint/2010/main" val="1711035620"/>
       </p:ext>
     </p:extLst>
   </p:cSld>
@@ -3441,7 +3379,7 @@
         </p:nvSpPr>
         <p:spPr>
           <a:xfrm>
-            <a:off x="1" y="0"/>
+            <a:off x="2" y="0"/>
             <a:ext cx="11823031" cy="6858000"/>
           </a:xfrm>
         </p:spPr>
@@ -3475,29 +3413,9 @@
                 <a:latin typeface="微軟正黑體" pitchFamily="34" charset="-120"/>
                 <a:ea typeface="微軟正黑體" pitchFamily="34" charset="-120"/>
               </a:rPr>
-              <a:t>東</a:t>
-            </a:r>
-            <a:r>
-              <a:rPr lang="zh-TW" altLang="en-US" sz="6400" dirty="0">
-                <a:solidFill>
-                  <a:srgbClr val="000066"/>
-                </a:solidFill>
-                <a:latin typeface="微軟正黑體" pitchFamily="34" charset="-120"/>
-                <a:ea typeface="微軟正黑體" pitchFamily="34" charset="-120"/>
-              </a:rPr>
-              <a:t>離西有多遠，他叫我們的過犯離我們也有多遠</a:t>
-            </a:r>
-            <a:r>
-              <a:rPr lang="zh-TW" altLang="en-US" sz="6400" dirty="0" smtClean="0">
-                <a:solidFill>
-                  <a:srgbClr val="000066"/>
-                </a:solidFill>
-                <a:latin typeface="微軟正黑體" pitchFamily="34" charset="-120"/>
-                <a:ea typeface="微軟正黑體" pitchFamily="34" charset="-120"/>
-              </a:rPr>
-              <a:t>！</a:t>
-            </a:r>
-            <a:endParaRPr lang="en-US" altLang="zh-TW" sz="6400" dirty="0" smtClean="0">
+              <a:t>東離西有多遠，他叫我們的過犯離我們也有多遠！</a:t>
+            </a:r>
+            <a:endParaRPr lang="en-US" altLang="zh-TW" sz="6400" dirty="0">
               <a:solidFill>
                 <a:srgbClr val="000066"/>
               </a:solidFill>
@@ -3529,7 +3447,7 @@
     </p:spTree>
     <p:extLst>
       <p:ext uri="{BB962C8B-B14F-4D97-AF65-F5344CB8AC3E}">
-        <p14:creationId xmlns:p14="http://schemas.microsoft.com/office/powerpoint/2010/main" val="3421443576"/>
+        <p14:creationId xmlns:p14="http://schemas.microsoft.com/office/powerpoint/2010/main" val="936195356"/>
       </p:ext>
     </p:extLst>
   </p:cSld>
@@ -3575,7 +3493,7 @@
         </p:nvSpPr>
         <p:spPr>
           <a:xfrm>
-            <a:off x="1" y="0"/>
+            <a:off x="2" y="0"/>
             <a:ext cx="11823031" cy="6858000"/>
           </a:xfrm>
         </p:spPr>
@@ -3609,29 +3527,9 @@
                 <a:latin typeface="微軟正黑體" pitchFamily="34" charset="-120"/>
                 <a:ea typeface="微軟正黑體" pitchFamily="34" charset="-120"/>
               </a:rPr>
-              <a:t>至</a:t>
-            </a:r>
-            <a:r>
-              <a:rPr lang="zh-TW" altLang="en-US" sz="6400" b="1" dirty="0">
-                <a:solidFill>
-                  <a:srgbClr val="000066"/>
-                </a:solidFill>
-                <a:latin typeface="微軟正黑體" pitchFamily="34" charset="-120"/>
-                <a:ea typeface="微軟正黑體" pitchFamily="34" charset="-120"/>
-              </a:rPr>
-              <a:t>於世人，他的年日如草一樣。他發旺如野地的</a:t>
-            </a:r>
-            <a:r>
-              <a:rPr lang="zh-TW" altLang="en-US" sz="6400" b="1" dirty="0" smtClean="0">
-                <a:solidFill>
-                  <a:srgbClr val="000066"/>
-                </a:solidFill>
-                <a:latin typeface="微軟正黑體" pitchFamily="34" charset="-120"/>
-                <a:ea typeface="微軟正黑體" pitchFamily="34" charset="-120"/>
-              </a:rPr>
-              <a:t>花</a:t>
-            </a:r>
-            <a:endParaRPr lang="en-US" altLang="zh-TW" sz="6400" b="1" dirty="0" smtClean="0">
+              <a:t>至於世人，他的年日如草一樣。他發旺如野地的花</a:t>
+            </a:r>
+            <a:endParaRPr lang="en-US" altLang="zh-TW" sz="6400" b="1" dirty="0">
               <a:solidFill>
                 <a:srgbClr val="000066"/>
               </a:solidFill>
@@ -3648,17 +3546,7 @@
                 <a:latin typeface="微軟正黑體" pitchFamily="34" charset="-120"/>
                 <a:ea typeface="微軟正黑體" pitchFamily="34" charset="-120"/>
               </a:rPr>
-              <a:t>經風一吹，便歸無有；他的原處也不再認識他</a:t>
-            </a:r>
-            <a:r>
-              <a:rPr lang="zh-TW" altLang="en-US" sz="6400" dirty="0">
-                <a:solidFill>
-                  <a:srgbClr val="000066"/>
-                </a:solidFill>
-                <a:latin typeface="微軟正黑體" pitchFamily="34" charset="-120"/>
-                <a:ea typeface="微軟正黑體" pitchFamily="34" charset="-120"/>
-              </a:rPr>
-              <a:t>。</a:t>
+              <a:t>經風一吹，便歸無有；他的原處也不再認識他。</a:t>
             </a:r>
             <a:endParaRPr lang="en-US" altLang="zh-TW" sz="6400" dirty="0">
               <a:solidFill>
@@ -3673,7 +3561,7 @@
     </p:spTree>
     <p:extLst>
       <p:ext uri="{BB962C8B-B14F-4D97-AF65-F5344CB8AC3E}">
-        <p14:creationId xmlns:p14="http://schemas.microsoft.com/office/powerpoint/2010/main" val="3894230712"/>
+        <p14:creationId xmlns:p14="http://schemas.microsoft.com/office/powerpoint/2010/main" val="1685920069"/>
       </p:ext>
     </p:extLst>
   </p:cSld>
@@ -3719,7 +3607,7 @@
         </p:nvSpPr>
         <p:spPr>
           <a:xfrm>
-            <a:off x="1" y="0"/>
+            <a:off x="2" y="0"/>
             <a:ext cx="11823031" cy="6858000"/>
           </a:xfrm>
         </p:spPr>
@@ -3747,7 +3635,17 @@
                 <a:latin typeface="微軟正黑體" pitchFamily="34" charset="-120"/>
                 <a:ea typeface="微軟正黑體" pitchFamily="34" charset="-120"/>
               </a:rPr>
-              <a:t>，</a:t>
+              <a:t>，就</a:t>
+            </a:r>
+            <a:r>
+              <a:rPr lang="zh-TW" altLang="en-US" sz="6400" b="1" dirty="0">
+                <a:solidFill>
+                  <a:srgbClr val="000066"/>
+                </a:solidFill>
+                <a:latin typeface="微軟正黑體" pitchFamily="34" charset="-120"/>
+                <a:ea typeface="微軟正黑體" pitchFamily="34" charset="-120"/>
+              </a:rPr>
+              <a:t>是那些遵守他的約、記念他的訓詞而遵行的人。</a:t>
             </a:r>
             <a:endParaRPr lang="en-US" altLang="zh-TW" sz="6400" b="1" dirty="0">
               <a:solidFill>
@@ -3757,31 +3655,12 @@
               <a:ea typeface="微軟正黑體" pitchFamily="34" charset="-120"/>
             </a:endParaRPr>
           </a:p>
-          <a:p>
-            <a:r>
-              <a:rPr lang="zh-TW" altLang="en-US" sz="6400" dirty="0">
-                <a:solidFill>
-                  <a:srgbClr val="000066"/>
-                </a:solidFill>
-                <a:latin typeface="微軟正黑體" pitchFamily="34" charset="-120"/>
-                <a:ea typeface="微軟正黑體" pitchFamily="34" charset="-120"/>
-              </a:rPr>
-              <a:t>就是那些遵守他的約、記念他的訓詞而遵行的人。</a:t>
-            </a:r>
-            <a:endParaRPr lang="en-US" altLang="zh-TW" sz="6400" dirty="0">
-              <a:solidFill>
-                <a:srgbClr val="000066"/>
-              </a:solidFill>
-              <a:latin typeface="微軟正黑體" pitchFamily="34" charset="-120"/>
-              <a:ea typeface="微軟正黑體" pitchFamily="34" charset="-120"/>
-            </a:endParaRPr>
-          </a:p>
         </p:txBody>
       </p:sp>
     </p:spTree>
     <p:extLst>
       <p:ext uri="{BB962C8B-B14F-4D97-AF65-F5344CB8AC3E}">
-        <p14:creationId xmlns:p14="http://schemas.microsoft.com/office/powerpoint/2010/main" val="972076920"/>
+        <p14:creationId xmlns:p14="http://schemas.microsoft.com/office/powerpoint/2010/main" val="1159749313"/>
       </p:ext>
     </p:extLst>
   </p:cSld>
